--- a/14.The Tds Relations.pptx
+++ b/14.The Tds Relations.pptx
@@ -21181,7 +21181,7 @@
           </a:bodyPr>
           <a:lstStyle/>
           <a:p>
-            <a:pPr marL="0" marR="0" lvl="0" indent="0" algn="l" rtl="0">
+            <a:pPr marL="0" marR="0" lvl="0" indent="0" rtl="0">
               <a:spcBef>
                 <a:spcPts val="0"/>
               </a:spcBef>
